--- a/ZP/ZP.pptx
+++ b/ZP/ZP.pptx
@@ -19,8 +19,7 @@
     <p:sldId id="262" r:id="rId13"/>
     <p:sldId id="265" r:id="rId14"/>
     <p:sldId id="266" r:id="rId15"/>
-    <p:sldId id="264" r:id="rId16"/>
-    <p:sldId id="263" r:id="rId17"/>
+    <p:sldId id="263" r:id="rId16"/>
   </p:sldIdLst>
   <p:sldSz cx="12192000" cy="6858000"/>
   <p:notesSz cx="6858000" cy="9144000"/>
@@ -119,6 +118,11 @@
       </a:defRPr>
     </a:lvl9pPr>
   </p:defaultTextStyle>
+  <p:extLst>
+    <p:ext uri="{EFAFB233-063F-42B5-8137-9DF3F51BA10A}">
+      <p15:sldGuideLst xmlns:p15="http://schemas.microsoft.com/office/powerpoint/2012/main"/>
+    </p:ext>
+  </p:extLst>
 </p:presentation>
 </file>
 
@@ -269,7 +273,7 @@
           <a:p>
             <a:fld id="{D3129278-BBF3-4C2F-8383-CCF7F2DCBE35}" type="datetimeFigureOut">
               <a:rPr lang="pl-PL" smtClean="0"/>
-              <a:t>05.01.2025</a:t>
+              <a:t>11.01.2025</a:t>
             </a:fld>
             <a:endParaRPr lang="pl-PL"/>
           </a:p>
@@ -467,7 +471,7 @@
           <a:p>
             <a:fld id="{D3129278-BBF3-4C2F-8383-CCF7F2DCBE35}" type="datetimeFigureOut">
               <a:rPr lang="pl-PL" smtClean="0"/>
-              <a:t>05.01.2025</a:t>
+              <a:t>11.01.2025</a:t>
             </a:fld>
             <a:endParaRPr lang="pl-PL"/>
           </a:p>
@@ -675,7 +679,7 @@
           <a:p>
             <a:fld id="{D3129278-BBF3-4C2F-8383-CCF7F2DCBE35}" type="datetimeFigureOut">
               <a:rPr lang="pl-PL" smtClean="0"/>
-              <a:t>05.01.2025</a:t>
+              <a:t>11.01.2025</a:t>
             </a:fld>
             <a:endParaRPr lang="pl-PL"/>
           </a:p>
@@ -873,7 +877,7 @@
           <a:p>
             <a:fld id="{D3129278-BBF3-4C2F-8383-CCF7F2DCBE35}" type="datetimeFigureOut">
               <a:rPr lang="pl-PL" smtClean="0"/>
-              <a:t>05.01.2025</a:t>
+              <a:t>11.01.2025</a:t>
             </a:fld>
             <a:endParaRPr lang="pl-PL"/>
           </a:p>
@@ -1148,7 +1152,7 @@
           <a:p>
             <a:fld id="{D3129278-BBF3-4C2F-8383-CCF7F2DCBE35}" type="datetimeFigureOut">
               <a:rPr lang="pl-PL" smtClean="0"/>
-              <a:t>05.01.2025</a:t>
+              <a:t>11.01.2025</a:t>
             </a:fld>
             <a:endParaRPr lang="pl-PL"/>
           </a:p>
@@ -1413,7 +1417,7 @@
           <a:p>
             <a:fld id="{D3129278-BBF3-4C2F-8383-CCF7F2DCBE35}" type="datetimeFigureOut">
               <a:rPr lang="pl-PL" smtClean="0"/>
-              <a:t>05.01.2025</a:t>
+              <a:t>11.01.2025</a:t>
             </a:fld>
             <a:endParaRPr lang="pl-PL"/>
           </a:p>
@@ -1825,7 +1829,7 @@
           <a:p>
             <a:fld id="{D3129278-BBF3-4C2F-8383-CCF7F2DCBE35}" type="datetimeFigureOut">
               <a:rPr lang="pl-PL" smtClean="0"/>
-              <a:t>05.01.2025</a:t>
+              <a:t>11.01.2025</a:t>
             </a:fld>
             <a:endParaRPr lang="pl-PL"/>
           </a:p>
@@ -1966,7 +1970,7 @@
           <a:p>
             <a:fld id="{D3129278-BBF3-4C2F-8383-CCF7F2DCBE35}" type="datetimeFigureOut">
               <a:rPr lang="pl-PL" smtClean="0"/>
-              <a:t>05.01.2025</a:t>
+              <a:t>11.01.2025</a:t>
             </a:fld>
             <a:endParaRPr lang="pl-PL"/>
           </a:p>
@@ -2079,7 +2083,7 @@
           <a:p>
             <a:fld id="{D3129278-BBF3-4C2F-8383-CCF7F2DCBE35}" type="datetimeFigureOut">
               <a:rPr lang="pl-PL" smtClean="0"/>
-              <a:t>05.01.2025</a:t>
+              <a:t>11.01.2025</a:t>
             </a:fld>
             <a:endParaRPr lang="pl-PL"/>
           </a:p>
@@ -2390,7 +2394,7 @@
           <a:p>
             <a:fld id="{D3129278-BBF3-4C2F-8383-CCF7F2DCBE35}" type="datetimeFigureOut">
               <a:rPr lang="pl-PL" smtClean="0"/>
-              <a:t>05.01.2025</a:t>
+              <a:t>11.01.2025</a:t>
             </a:fld>
             <a:endParaRPr lang="pl-PL"/>
           </a:p>
@@ -2678,7 +2682,7 @@
           <a:p>
             <a:fld id="{D3129278-BBF3-4C2F-8383-CCF7F2DCBE35}" type="datetimeFigureOut">
               <a:rPr lang="pl-PL" smtClean="0"/>
-              <a:t>05.01.2025</a:t>
+              <a:t>11.01.2025</a:t>
             </a:fld>
             <a:endParaRPr lang="pl-PL"/>
           </a:p>
@@ -2919,7 +2923,7 @@
           <a:p>
             <a:fld id="{D3129278-BBF3-4C2F-8383-CCF7F2DCBE35}" type="datetimeFigureOut">
               <a:rPr lang="pl-PL" smtClean="0"/>
-              <a:t>05.01.2025</a:t>
+              <a:t>11.01.2025</a:t>
             </a:fld>
             <a:endParaRPr lang="pl-PL"/>
           </a:p>
@@ -7651,842 +7655,6 @@
 </file>
 
 <file path=ppt/slides/slide15.xml><?xml version="1.0" encoding="utf-8"?>
-<p:sld xmlns:a="http://schemas.openxmlformats.org/drawingml/2006/main" xmlns:r="http://schemas.openxmlformats.org/officeDocument/2006/relationships" xmlns:p="http://schemas.openxmlformats.org/presentationml/2006/main">
-  <p:cSld>
-    <p:bg>
-      <p:bgPr>
-        <a:solidFill>
-          <a:schemeClr val="bg1"/>
-        </a:solidFill>
-        <a:effectLst/>
-      </p:bgPr>
-    </p:bg>
-    <p:spTree>
-      <p:nvGrpSpPr>
-        <p:cNvPr id="1" name=""/>
-        <p:cNvGrpSpPr/>
-        <p:nvPr/>
-      </p:nvGrpSpPr>
-      <p:grpSpPr>
-        <a:xfrm>
-          <a:off x="0" y="0"/>
-          <a:ext cx="0" cy="0"/>
-          <a:chOff x="0" y="0"/>
-          <a:chExt cx="0" cy="0"/>
-        </a:xfrm>
-      </p:grpSpPr>
-      <p:sp useBgFill="1">
-        <p:nvSpPr>
-          <p:cNvPr id="23" name="Rectangle 22">
-            <a:extLst>
-              <a:ext uri="{FF2B5EF4-FFF2-40B4-BE49-F238E27FC236}">
-                <a16:creationId xmlns:a16="http://schemas.microsoft.com/office/drawing/2014/main" id="{A2679492-7988-4050-9056-542444452411}"/>
-              </a:ext>
-              <a:ext uri="{C183D7F6-B498-43B3-948B-1728B52AA6E4}">
-                <adec:decorative xmlns:adec="http://schemas.microsoft.com/office/drawing/2017/decorative" val="1"/>
-              </a:ext>
-            </a:extLst>
-          </p:cNvPr>
-          <p:cNvSpPr>
-            <a:spLocks noGrp="1" noRot="1" noChangeAspect="1" noMove="1" noResize="1" noEditPoints="1" noAdjustHandles="1" noChangeArrowheads="1" noChangeShapeType="1" noTextEdit="1"/>
-          </p:cNvSpPr>
-          <p:nvPr>
-            <p:extLst>
-              <p:ext uri="{386F3935-93C4-4BCD-93E2-E3B085C9AB24}">
-                <p16:designElem xmlns:p16="http://schemas.microsoft.com/office/powerpoint/2015/main" val="1"/>
-              </p:ext>
-            </p:extLst>
-          </p:nvPr>
-        </p:nvSpPr>
-        <p:spPr>
-          <a:xfrm>
-            <a:off x="0" y="0"/>
-            <a:ext cx="12192000" cy="6858000"/>
-          </a:xfrm>
-          <a:prstGeom prst="rect">
-            <a:avLst/>
-          </a:prstGeom>
-          <a:ln>
-            <a:noFill/>
-          </a:ln>
-        </p:spPr>
-        <p:style>
-          <a:lnRef idx="2">
-            <a:schemeClr val="accent1">
-              <a:shade val="50000"/>
-            </a:schemeClr>
-          </a:lnRef>
-          <a:fillRef idx="1">
-            <a:schemeClr val="accent1"/>
-          </a:fillRef>
-          <a:effectRef idx="0">
-            <a:schemeClr val="accent1"/>
-          </a:effectRef>
-          <a:fontRef idx="minor">
-            <a:schemeClr val="lt1"/>
-          </a:fontRef>
-        </p:style>
-        <p:txBody>
-          <a:bodyPr rtlCol="0" anchor="ctr"/>
-          <a:lstStyle/>
-          <a:p>
-            <a:pPr algn="ctr"/>
-            <a:endParaRPr lang="en-US"/>
-          </a:p>
-        </p:txBody>
-      </p:sp>
-      <p:sp>
-        <p:nvSpPr>
-          <p:cNvPr id="25" name="Rectangle 24">
-            <a:extLst>
-              <a:ext uri="{FF2B5EF4-FFF2-40B4-BE49-F238E27FC236}">
-                <a16:creationId xmlns:a16="http://schemas.microsoft.com/office/drawing/2014/main" id="{B091B163-7D61-4891-ABCF-5C13D9C418D0}"/>
-              </a:ext>
-              <a:ext uri="{C183D7F6-B498-43B3-948B-1728B52AA6E4}">
-                <adec:decorative xmlns:adec="http://schemas.microsoft.com/office/drawing/2017/decorative" val="1"/>
-              </a:ext>
-            </a:extLst>
-          </p:cNvPr>
-          <p:cNvSpPr>
-            <a:spLocks noGrp="1" noRot="1" noChangeAspect="1" noMove="1" noResize="1" noEditPoints="1" noAdjustHandles="1" noChangeArrowheads="1" noChangeShapeType="1" noTextEdit="1"/>
-          </p:cNvSpPr>
-          <p:nvPr>
-            <p:extLst>
-              <p:ext uri="{386F3935-93C4-4BCD-93E2-E3B085C9AB24}">
-                <p16:designElem xmlns:p16="http://schemas.microsoft.com/office/powerpoint/2015/main" val="1"/>
-              </p:ext>
-            </p:extLst>
-          </p:nvPr>
-        </p:nvSpPr>
-        <p:spPr>
-          <a:xfrm>
-            <a:off x="0" y="0"/>
-            <a:ext cx="5779911" cy="6858000"/>
-          </a:xfrm>
-          <a:prstGeom prst="rect">
-            <a:avLst/>
-          </a:prstGeom>
-          <a:gradFill flip="none" rotWithShape="1">
-            <a:gsLst>
-              <a:gs pos="0">
-                <a:schemeClr val="accent1"/>
-              </a:gs>
-              <a:gs pos="100000">
-                <a:schemeClr val="accent2"/>
-              </a:gs>
-            </a:gsLst>
-            <a:lin ang="2700000" scaled="1"/>
-            <a:tileRect/>
-          </a:gradFill>
-          <a:ln>
-            <a:noFill/>
-          </a:ln>
-        </p:spPr>
-        <p:style>
-          <a:lnRef idx="2">
-            <a:schemeClr val="accent1">
-              <a:shade val="50000"/>
-            </a:schemeClr>
-          </a:lnRef>
-          <a:fillRef idx="1">
-            <a:schemeClr val="accent1"/>
-          </a:fillRef>
-          <a:effectRef idx="0">
-            <a:schemeClr val="accent1"/>
-          </a:effectRef>
-          <a:fontRef idx="minor">
-            <a:schemeClr val="lt1"/>
-          </a:fontRef>
-        </p:style>
-        <p:txBody>
-          <a:bodyPr rtlCol="0" anchor="ctr"/>
-          <a:lstStyle/>
-          <a:p>
-            <a:pPr algn="ctr"/>
-            <a:endParaRPr lang="en-US">
-              <a:solidFill>
-                <a:schemeClr val="tx1"/>
-              </a:solidFill>
-            </a:endParaRPr>
-          </a:p>
-        </p:txBody>
-      </p:sp>
-      <p:sp>
-        <p:nvSpPr>
-          <p:cNvPr id="2" name="Tytuł 1">
-            <a:extLst>
-              <a:ext uri="{FF2B5EF4-FFF2-40B4-BE49-F238E27FC236}">
-                <a16:creationId xmlns:a16="http://schemas.microsoft.com/office/drawing/2014/main" id="{C62098F4-4718-8927-6D3A-108F24F74F22}"/>
-              </a:ext>
-            </a:extLst>
-          </p:cNvPr>
-          <p:cNvSpPr>
-            <a:spLocks noGrp="1"/>
-          </p:cNvSpPr>
-          <p:nvPr>
-            <p:ph type="title"/>
-          </p:nvPr>
-        </p:nvSpPr>
-        <p:spPr>
-          <a:xfrm>
-            <a:off x="1188069" y="381935"/>
-            <a:ext cx="4008583" cy="5974414"/>
-          </a:xfrm>
-        </p:spPr>
-        <p:txBody>
-          <a:bodyPr anchor="ctr">
-            <a:normAutofit/>
-          </a:bodyPr>
-          <a:lstStyle/>
-          <a:p>
-            <a:r>
-              <a:rPr lang="pl-PL" sz="6200">
-                <a:solidFill>
-                  <a:srgbClr val="FFFFFF"/>
-                </a:solidFill>
-              </a:rPr>
-              <a:t>Wyzwania Projektowe</a:t>
-            </a:r>
-          </a:p>
-        </p:txBody>
-      </p:sp>
-      <p:grpSp>
-        <p:nvGrpSpPr>
-          <p:cNvPr id="27" name="Group 26">
-            <a:extLst>
-              <a:ext uri="{FF2B5EF4-FFF2-40B4-BE49-F238E27FC236}">
-                <a16:creationId xmlns:a16="http://schemas.microsoft.com/office/drawing/2014/main" id="{0474DF76-993E-44DE-AFB0-C416182ACECF}"/>
-              </a:ext>
-              <a:ext uri="{C183D7F6-B498-43B3-948B-1728B52AA6E4}">
-                <adec:decorative xmlns:adec="http://schemas.microsoft.com/office/drawing/2017/decorative" val="1"/>
-              </a:ext>
-            </a:extLst>
-          </p:cNvPr>
-          <p:cNvGrpSpPr>
-            <a:grpSpLocks noGrp="1" noUngrp="1" noRot="1" noChangeAspect="1" noMove="1" noResize="1"/>
-          </p:cNvGrpSpPr>
-          <p:nvPr>
-            <p:extLst>
-              <p:ext uri="{386F3935-93C4-4BCD-93E2-E3B085C9AB24}">
-                <p16:designElem xmlns:p16="http://schemas.microsoft.com/office/powerpoint/2015/main" val="1"/>
-              </p:ext>
-            </p:extLst>
-          </p:nvPr>
-        </p:nvGrpSpPr>
-        <p:grpSpPr>
-          <a:xfrm>
-            <a:off x="613892" y="554152"/>
-            <a:ext cx="574177" cy="1075866"/>
-            <a:chOff x="613892" y="554152"/>
-            <a:chExt cx="574177" cy="1075866"/>
-          </a:xfrm>
-          <a:solidFill>
-            <a:srgbClr val="FFFFFF"/>
-          </a:solidFill>
-        </p:grpSpPr>
-        <p:sp>
-          <p:nvSpPr>
-            <p:cNvPr id="28" name="Graphic 11">
-              <a:extLst>
-                <a:ext uri="{FF2B5EF4-FFF2-40B4-BE49-F238E27FC236}">
-                  <a16:creationId xmlns:a16="http://schemas.microsoft.com/office/drawing/2014/main" id="{6CB927A4-E432-4310-9CD5-E89FF5063179}"/>
-                </a:ext>
-                <a:ext uri="{C183D7F6-B498-43B3-948B-1728B52AA6E4}">
-                  <adec:decorative xmlns:adec="http://schemas.microsoft.com/office/drawing/2017/decorative" val="1"/>
-                </a:ext>
-              </a:extLst>
-            </p:cNvPr>
-            <p:cNvSpPr/>
-            <p:nvPr>
-              <p:extLst>
-                <p:ext uri="{386F3935-93C4-4BCD-93E2-E3B085C9AB24}">
-                  <p16:designElem xmlns:p16="http://schemas.microsoft.com/office/powerpoint/2015/main" val="1"/>
-                </p:ext>
-              </p:extLst>
-            </p:nvPr>
-          </p:nvSpPr>
-          <p:spPr>
-            <a:xfrm>
-              <a:off x="633061" y="554152"/>
-              <a:ext cx="171515" cy="171515"/>
-            </a:xfrm>
-            <a:custGeom>
-              <a:avLst/>
-              <a:gdLst>
-                <a:gd name="connsiteX0" fmla="*/ 159874 w 171515"/>
-                <a:gd name="connsiteY0" fmla="*/ 74116 h 171515"/>
-                <a:gd name="connsiteX1" fmla="*/ 97399 w 171515"/>
-                <a:gd name="connsiteY1" fmla="*/ 74116 h 171515"/>
-                <a:gd name="connsiteX2" fmla="*/ 97399 w 171515"/>
-                <a:gd name="connsiteY2" fmla="*/ 11641 h 171515"/>
-                <a:gd name="connsiteX3" fmla="*/ 85758 w 171515"/>
-                <a:gd name="connsiteY3" fmla="*/ 0 h 171515"/>
-                <a:gd name="connsiteX4" fmla="*/ 74116 w 171515"/>
-                <a:gd name="connsiteY4" fmla="*/ 11641 h 171515"/>
-                <a:gd name="connsiteX5" fmla="*/ 74116 w 171515"/>
-                <a:gd name="connsiteY5" fmla="*/ 74116 h 171515"/>
-                <a:gd name="connsiteX6" fmla="*/ 11641 w 171515"/>
-                <a:gd name="connsiteY6" fmla="*/ 74116 h 171515"/>
-                <a:gd name="connsiteX7" fmla="*/ 0 w 171515"/>
-                <a:gd name="connsiteY7" fmla="*/ 85758 h 171515"/>
-                <a:gd name="connsiteX8" fmla="*/ 11641 w 171515"/>
-                <a:gd name="connsiteY8" fmla="*/ 97399 h 171515"/>
-                <a:gd name="connsiteX9" fmla="*/ 74116 w 171515"/>
-                <a:gd name="connsiteY9" fmla="*/ 97399 h 171515"/>
-                <a:gd name="connsiteX10" fmla="*/ 74116 w 171515"/>
-                <a:gd name="connsiteY10" fmla="*/ 159874 h 171515"/>
-                <a:gd name="connsiteX11" fmla="*/ 85758 w 171515"/>
-                <a:gd name="connsiteY11" fmla="*/ 171515 h 171515"/>
-                <a:gd name="connsiteX12" fmla="*/ 97399 w 171515"/>
-                <a:gd name="connsiteY12" fmla="*/ 159874 h 171515"/>
-                <a:gd name="connsiteX13" fmla="*/ 97399 w 171515"/>
-                <a:gd name="connsiteY13" fmla="*/ 97399 h 171515"/>
-                <a:gd name="connsiteX14" fmla="*/ 159874 w 171515"/>
-                <a:gd name="connsiteY14" fmla="*/ 97399 h 171515"/>
-                <a:gd name="connsiteX15" fmla="*/ 171515 w 171515"/>
-                <a:gd name="connsiteY15" fmla="*/ 85758 h 171515"/>
-                <a:gd name="connsiteX16" fmla="*/ 159874 w 171515"/>
-                <a:gd name="connsiteY16" fmla="*/ 74116 h 171515"/>
-              </a:gdLst>
-              <a:ahLst/>
-              <a:cxnLst>
-                <a:cxn ang="0">
-                  <a:pos x="connsiteX0" y="connsiteY0"/>
-                </a:cxn>
-                <a:cxn ang="0">
-                  <a:pos x="connsiteX1" y="connsiteY1"/>
-                </a:cxn>
-                <a:cxn ang="0">
-                  <a:pos x="connsiteX2" y="connsiteY2"/>
-                </a:cxn>
-                <a:cxn ang="0">
-                  <a:pos x="connsiteX3" y="connsiteY3"/>
-                </a:cxn>
-                <a:cxn ang="0">
-                  <a:pos x="connsiteX4" y="connsiteY4"/>
-                </a:cxn>
-                <a:cxn ang="0">
-                  <a:pos x="connsiteX5" y="connsiteY5"/>
-                </a:cxn>
-                <a:cxn ang="0">
-                  <a:pos x="connsiteX6" y="connsiteY6"/>
-                </a:cxn>
-                <a:cxn ang="0">
-                  <a:pos x="connsiteX7" y="connsiteY7"/>
-                </a:cxn>
-                <a:cxn ang="0">
-                  <a:pos x="connsiteX8" y="connsiteY8"/>
-                </a:cxn>
-                <a:cxn ang="0">
-                  <a:pos x="connsiteX9" y="connsiteY9"/>
-                </a:cxn>
-                <a:cxn ang="0">
-                  <a:pos x="connsiteX10" y="connsiteY10"/>
-                </a:cxn>
-                <a:cxn ang="0">
-                  <a:pos x="connsiteX11" y="connsiteY11"/>
-                </a:cxn>
-                <a:cxn ang="0">
-                  <a:pos x="connsiteX12" y="connsiteY12"/>
-                </a:cxn>
-                <a:cxn ang="0">
-                  <a:pos x="connsiteX13" y="connsiteY13"/>
-                </a:cxn>
-                <a:cxn ang="0">
-                  <a:pos x="connsiteX14" y="connsiteY14"/>
-                </a:cxn>
-                <a:cxn ang="0">
-                  <a:pos x="connsiteX15" y="connsiteY15"/>
-                </a:cxn>
-                <a:cxn ang="0">
-                  <a:pos x="connsiteX16" y="connsiteY16"/>
-                </a:cxn>
-              </a:cxnLst>
-              <a:rect l="l" t="t" r="r" b="b"/>
-              <a:pathLst>
-                <a:path w="171515" h="171515">
-                  <a:moveTo>
-                    <a:pt x="159874" y="74116"/>
-                  </a:moveTo>
-                  <a:lnTo>
-                    <a:pt x="97399" y="74116"/>
-                  </a:lnTo>
-                  <a:lnTo>
-                    <a:pt x="97399" y="11641"/>
-                  </a:lnTo>
-                  <a:cubicBezTo>
-                    <a:pt x="97399" y="5212"/>
-                    <a:pt x="92187" y="0"/>
-                    <a:pt x="85758" y="0"/>
-                  </a:cubicBezTo>
-                  <a:cubicBezTo>
-                    <a:pt x="79328" y="0"/>
-                    <a:pt x="74116" y="5212"/>
-                    <a:pt x="74116" y="11641"/>
-                  </a:cubicBezTo>
-                  <a:lnTo>
-                    <a:pt x="74116" y="74116"/>
-                  </a:lnTo>
-                  <a:lnTo>
-                    <a:pt x="11641" y="74116"/>
-                  </a:lnTo>
-                  <a:cubicBezTo>
-                    <a:pt x="5212" y="74116"/>
-                    <a:pt x="0" y="79328"/>
-                    <a:pt x="0" y="85758"/>
-                  </a:cubicBezTo>
-                  <a:cubicBezTo>
-                    <a:pt x="0" y="92187"/>
-                    <a:pt x="5212" y="97399"/>
-                    <a:pt x="11641" y="97399"/>
-                  </a:cubicBezTo>
-                  <a:lnTo>
-                    <a:pt x="74116" y="97399"/>
-                  </a:lnTo>
-                  <a:lnTo>
-                    <a:pt x="74116" y="159874"/>
-                  </a:lnTo>
-                  <a:cubicBezTo>
-                    <a:pt x="74116" y="166303"/>
-                    <a:pt x="79328" y="171515"/>
-                    <a:pt x="85758" y="171515"/>
-                  </a:cubicBezTo>
-                  <a:cubicBezTo>
-                    <a:pt x="92187" y="171515"/>
-                    <a:pt x="97399" y="166303"/>
-                    <a:pt x="97399" y="159874"/>
-                  </a:cubicBezTo>
-                  <a:lnTo>
-                    <a:pt x="97399" y="97399"/>
-                  </a:lnTo>
-                  <a:lnTo>
-                    <a:pt x="159874" y="97399"/>
-                  </a:lnTo>
-                  <a:cubicBezTo>
-                    <a:pt x="166303" y="97399"/>
-                    <a:pt x="171515" y="92187"/>
-                    <a:pt x="171515" y="85758"/>
-                  </a:cubicBezTo>
-                  <a:cubicBezTo>
-                    <a:pt x="171515" y="79328"/>
-                    <a:pt x="166303" y="74116"/>
-                    <a:pt x="159874" y="74116"/>
-                  </a:cubicBezTo>
-                  <a:close/>
-                </a:path>
-              </a:pathLst>
-            </a:custGeom>
-            <a:grpFill/>
-            <a:ln w="776" cap="flat">
-              <a:noFill/>
-              <a:prstDash val="solid"/>
-              <a:miter/>
-            </a:ln>
-          </p:spPr>
-          <p:txBody>
-            <a:bodyPr rtlCol="0" anchor="ctr"/>
-            <a:lstStyle/>
-            <a:p>
-              <a:endParaRPr lang="en-US"/>
-            </a:p>
-          </p:txBody>
-        </p:sp>
-        <p:sp>
-          <p:nvSpPr>
-            <p:cNvPr id="29" name="Graphic 10">
-              <a:extLst>
-                <a:ext uri="{FF2B5EF4-FFF2-40B4-BE49-F238E27FC236}">
-                  <a16:creationId xmlns:a16="http://schemas.microsoft.com/office/drawing/2014/main" id="{E3020543-B24B-4EC4-8FFC-8DD88EEA91A8}"/>
-                </a:ext>
-                <a:ext uri="{C183D7F6-B498-43B3-948B-1728B52AA6E4}">
-                  <adec:decorative xmlns:adec="http://schemas.microsoft.com/office/drawing/2017/decorative" val="1"/>
-                </a:ext>
-              </a:extLst>
-            </p:cNvPr>
-            <p:cNvSpPr/>
-            <p:nvPr>
-              <p:extLst>
-                <p:ext uri="{386F3935-93C4-4BCD-93E2-E3B085C9AB24}">
-                  <p16:designElem xmlns:p16="http://schemas.microsoft.com/office/powerpoint/2015/main" val="1"/>
-                </p:ext>
-              </p:extLst>
-            </p:nvPr>
-          </p:nvSpPr>
-          <p:spPr>
-            <a:xfrm>
-              <a:off x="1075643" y="837005"/>
-              <a:ext cx="112426" cy="112426"/>
-            </a:xfrm>
-            <a:custGeom>
-              <a:avLst/>
-              <a:gdLst>
-                <a:gd name="connsiteX0" fmla="*/ 112426 w 112426"/>
-                <a:gd name="connsiteY0" fmla="*/ 56213 h 112426"/>
-                <a:gd name="connsiteX1" fmla="*/ 56213 w 112426"/>
-                <a:gd name="connsiteY1" fmla="*/ 112426 h 112426"/>
-                <a:gd name="connsiteX2" fmla="*/ 0 w 112426"/>
-                <a:gd name="connsiteY2" fmla="*/ 56213 h 112426"/>
-                <a:gd name="connsiteX3" fmla="*/ 56213 w 112426"/>
-                <a:gd name="connsiteY3" fmla="*/ 0 h 112426"/>
-                <a:gd name="connsiteX4" fmla="*/ 112426 w 112426"/>
-                <a:gd name="connsiteY4" fmla="*/ 56213 h 112426"/>
-              </a:gdLst>
-              <a:ahLst/>
-              <a:cxnLst>
-                <a:cxn ang="0">
-                  <a:pos x="connsiteX0" y="connsiteY0"/>
-                </a:cxn>
-                <a:cxn ang="0">
-                  <a:pos x="connsiteX1" y="connsiteY1"/>
-                </a:cxn>
-                <a:cxn ang="0">
-                  <a:pos x="connsiteX2" y="connsiteY2"/>
-                </a:cxn>
-                <a:cxn ang="0">
-                  <a:pos x="connsiteX3" y="connsiteY3"/>
-                </a:cxn>
-                <a:cxn ang="0">
-                  <a:pos x="connsiteX4" y="connsiteY4"/>
-                </a:cxn>
-              </a:cxnLst>
-              <a:rect l="l" t="t" r="r" b="b"/>
-              <a:pathLst>
-                <a:path w="112426" h="112426">
-                  <a:moveTo>
-                    <a:pt x="112426" y="56213"/>
-                  </a:moveTo>
-                  <a:cubicBezTo>
-                    <a:pt x="112426" y="87259"/>
-                    <a:pt x="87259" y="112426"/>
-                    <a:pt x="56213" y="112426"/>
-                  </a:cubicBezTo>
-                  <a:cubicBezTo>
-                    <a:pt x="25167" y="112426"/>
-                    <a:pt x="0" y="87259"/>
-                    <a:pt x="0" y="56213"/>
-                  </a:cubicBezTo>
-                  <a:cubicBezTo>
-                    <a:pt x="0" y="25167"/>
-                    <a:pt x="25167" y="0"/>
-                    <a:pt x="56213" y="0"/>
-                  </a:cubicBezTo>
-                  <a:cubicBezTo>
-                    <a:pt x="87259" y="0"/>
-                    <a:pt x="112426" y="25167"/>
-                    <a:pt x="112426" y="56213"/>
-                  </a:cubicBezTo>
-                  <a:close/>
-                </a:path>
-              </a:pathLst>
-            </a:custGeom>
-            <a:grpFill/>
-            <a:ln w="516" cap="flat">
-              <a:noFill/>
-              <a:prstDash val="solid"/>
-              <a:miter/>
-            </a:ln>
-          </p:spPr>
-          <p:txBody>
-            <a:bodyPr rtlCol="0" anchor="ctr"/>
-            <a:lstStyle/>
-            <a:p>
-              <a:endParaRPr lang="en-US"/>
-            </a:p>
-          </p:txBody>
-        </p:sp>
-        <p:sp>
-          <p:nvSpPr>
-            <p:cNvPr id="30" name="Graphic 12">
-              <a:extLst>
-                <a:ext uri="{FF2B5EF4-FFF2-40B4-BE49-F238E27FC236}">
-                  <a16:creationId xmlns:a16="http://schemas.microsoft.com/office/drawing/2014/main" id="{1453BF6C-B012-48B7-B4E8-6D7AC7C27D02}"/>
-                </a:ext>
-                <a:ext uri="{C183D7F6-B498-43B3-948B-1728B52AA6E4}">
-                  <adec:decorative xmlns:adec="http://schemas.microsoft.com/office/drawing/2017/decorative" val="1"/>
-                </a:ext>
-              </a:extLst>
-            </p:cNvPr>
-            <p:cNvSpPr/>
-            <p:nvPr>
-              <p:extLst>
-                <p:ext uri="{386F3935-93C4-4BCD-93E2-E3B085C9AB24}">
-                  <p16:designElem xmlns:p16="http://schemas.microsoft.com/office/powerpoint/2015/main" val="1"/>
-                </p:ext>
-              </p:extLst>
-            </p:nvPr>
-          </p:nvSpPr>
-          <p:spPr>
-            <a:xfrm>
-              <a:off x="613892" y="1472473"/>
-              <a:ext cx="157545" cy="157545"/>
-            </a:xfrm>
-            <a:custGeom>
-              <a:avLst/>
-              <a:gdLst>
-                <a:gd name="connsiteX0" fmla="*/ 78773 w 157545"/>
-                <a:gd name="connsiteY0" fmla="*/ 23283 h 157545"/>
-                <a:gd name="connsiteX1" fmla="*/ 134262 w 157545"/>
-                <a:gd name="connsiteY1" fmla="*/ 78773 h 157545"/>
-                <a:gd name="connsiteX2" fmla="*/ 78773 w 157545"/>
-                <a:gd name="connsiteY2" fmla="*/ 134262 h 157545"/>
-                <a:gd name="connsiteX3" fmla="*/ 23283 w 157545"/>
-                <a:gd name="connsiteY3" fmla="*/ 78773 h 157545"/>
-                <a:gd name="connsiteX4" fmla="*/ 78773 w 157545"/>
-                <a:gd name="connsiteY4" fmla="*/ 23283 h 157545"/>
-                <a:gd name="connsiteX5" fmla="*/ 78773 w 157545"/>
-                <a:gd name="connsiteY5" fmla="*/ 0 h 157545"/>
-                <a:gd name="connsiteX6" fmla="*/ 0 w 157545"/>
-                <a:gd name="connsiteY6" fmla="*/ 78773 h 157545"/>
-                <a:gd name="connsiteX7" fmla="*/ 78773 w 157545"/>
-                <a:gd name="connsiteY7" fmla="*/ 157545 h 157545"/>
-                <a:gd name="connsiteX8" fmla="*/ 157545 w 157545"/>
-                <a:gd name="connsiteY8" fmla="*/ 78773 h 157545"/>
-                <a:gd name="connsiteX9" fmla="*/ 78773 w 157545"/>
-                <a:gd name="connsiteY9" fmla="*/ 0 h 157545"/>
-              </a:gdLst>
-              <a:ahLst/>
-              <a:cxnLst>
-                <a:cxn ang="0">
-                  <a:pos x="connsiteX0" y="connsiteY0"/>
-                </a:cxn>
-                <a:cxn ang="0">
-                  <a:pos x="connsiteX1" y="connsiteY1"/>
-                </a:cxn>
-                <a:cxn ang="0">
-                  <a:pos x="connsiteX2" y="connsiteY2"/>
-                </a:cxn>
-                <a:cxn ang="0">
-                  <a:pos x="connsiteX3" y="connsiteY3"/>
-                </a:cxn>
-                <a:cxn ang="0">
-                  <a:pos x="connsiteX4" y="connsiteY4"/>
-                </a:cxn>
-                <a:cxn ang="0">
-                  <a:pos x="connsiteX5" y="connsiteY5"/>
-                </a:cxn>
-                <a:cxn ang="0">
-                  <a:pos x="connsiteX6" y="connsiteY6"/>
-                </a:cxn>
-                <a:cxn ang="0">
-                  <a:pos x="connsiteX7" y="connsiteY7"/>
-                </a:cxn>
-                <a:cxn ang="0">
-                  <a:pos x="connsiteX8" y="connsiteY8"/>
-                </a:cxn>
-                <a:cxn ang="0">
-                  <a:pos x="connsiteX9" y="connsiteY9"/>
-                </a:cxn>
-              </a:cxnLst>
-              <a:rect l="l" t="t" r="r" b="b"/>
-              <a:pathLst>
-                <a:path w="157545" h="157545">
-                  <a:moveTo>
-                    <a:pt x="78773" y="23283"/>
-                  </a:moveTo>
-                  <a:cubicBezTo>
-                    <a:pt x="109419" y="23283"/>
-                    <a:pt x="134262" y="48126"/>
-                    <a:pt x="134262" y="78773"/>
-                  </a:cubicBezTo>
-                  <a:cubicBezTo>
-                    <a:pt x="134262" y="109419"/>
-                    <a:pt x="109419" y="134262"/>
-                    <a:pt x="78773" y="134262"/>
-                  </a:cubicBezTo>
-                  <a:cubicBezTo>
-                    <a:pt x="48126" y="134262"/>
-                    <a:pt x="23283" y="109419"/>
-                    <a:pt x="23283" y="78773"/>
-                  </a:cubicBezTo>
-                  <a:cubicBezTo>
-                    <a:pt x="23312" y="48139"/>
-                    <a:pt x="48139" y="23312"/>
-                    <a:pt x="78773" y="23283"/>
-                  </a:cubicBezTo>
-                  <a:moveTo>
-                    <a:pt x="78773" y="0"/>
-                  </a:moveTo>
-                  <a:cubicBezTo>
-                    <a:pt x="35268" y="0"/>
-                    <a:pt x="0" y="35268"/>
-                    <a:pt x="0" y="78773"/>
-                  </a:cubicBezTo>
-                  <a:cubicBezTo>
-                    <a:pt x="0" y="122277"/>
-                    <a:pt x="35268" y="157545"/>
-                    <a:pt x="78773" y="157545"/>
-                  </a:cubicBezTo>
-                  <a:cubicBezTo>
-                    <a:pt x="122277" y="157545"/>
-                    <a:pt x="157545" y="122277"/>
-                    <a:pt x="157545" y="78773"/>
-                  </a:cubicBezTo>
-                  <a:cubicBezTo>
-                    <a:pt x="157545" y="35268"/>
-                    <a:pt x="122277" y="0"/>
-                    <a:pt x="78773" y="0"/>
-                  </a:cubicBezTo>
-                  <a:close/>
-                </a:path>
-              </a:pathLst>
-            </a:custGeom>
-            <a:grpFill/>
-            <a:ln w="751" cap="flat">
-              <a:noFill/>
-              <a:prstDash val="solid"/>
-              <a:miter/>
-            </a:ln>
-          </p:spPr>
-          <p:txBody>
-            <a:bodyPr rtlCol="0" anchor="ctr"/>
-            <a:lstStyle/>
-            <a:p>
-              <a:endParaRPr lang="en-US"/>
-            </a:p>
-          </p:txBody>
-        </p:sp>
-      </p:grpSp>
-      <p:sp>
-        <p:nvSpPr>
-          <p:cNvPr id="3" name="Symbol zastępczy zawartości 2">
-            <a:extLst>
-              <a:ext uri="{FF2B5EF4-FFF2-40B4-BE49-F238E27FC236}">
-                <a16:creationId xmlns:a16="http://schemas.microsoft.com/office/drawing/2014/main" id="{DBECD6BF-AEEF-D373-03E4-790ADEBEA1C7}"/>
-              </a:ext>
-            </a:extLst>
-          </p:cNvPr>
-          <p:cNvSpPr>
-            <a:spLocks noGrp="1"/>
-          </p:cNvSpPr>
-          <p:nvPr>
-            <p:ph idx="1"/>
-          </p:nvPr>
-        </p:nvSpPr>
-        <p:spPr>
-          <a:xfrm>
-            <a:off x="6297233" y="518400"/>
-            <a:ext cx="4771607" cy="5837949"/>
-          </a:xfrm>
-        </p:spPr>
-        <p:txBody>
-          <a:bodyPr anchor="ctr">
-            <a:normAutofit/>
-          </a:bodyPr>
-          <a:lstStyle/>
-          <a:p>
-            <a:r>
-              <a:rPr lang="pl-PL" sz="2000">
-                <a:solidFill>
-                  <a:schemeClr val="tx1">
-                    <a:alpha val="80000"/>
-                  </a:schemeClr>
-                </a:solidFill>
-              </a:rPr>
-              <a:t>Zbieranie danych z wielu źródeł.</a:t>
-            </a:r>
-          </a:p>
-          <a:p>
-            <a:r>
-              <a:rPr lang="pl-PL" sz="2000">
-                <a:solidFill>
-                  <a:schemeClr val="tx1">
-                    <a:alpha val="80000"/>
-                  </a:schemeClr>
-                </a:solidFill>
-              </a:rPr>
-              <a:t>Optymalizacja wydajności przy dużej liczbie użytkowników.</a:t>
-            </a:r>
-          </a:p>
-          <a:p>
-            <a:r>
-              <a:rPr lang="pl-PL" sz="2000">
-                <a:solidFill>
-                  <a:schemeClr val="tx1">
-                    <a:alpha val="80000"/>
-                  </a:schemeClr>
-                </a:solidFill>
-              </a:rPr>
-              <a:t>Zapewnienie prostoty obsługi przy bogatej funkcjonalności.</a:t>
-            </a:r>
-          </a:p>
-        </p:txBody>
-      </p:sp>
-      <p:cxnSp>
-        <p:nvCxnSpPr>
-          <p:cNvPr id="32" name="Straight Connector 31">
-            <a:extLst>
-              <a:ext uri="{FF2B5EF4-FFF2-40B4-BE49-F238E27FC236}">
-                <a16:creationId xmlns:a16="http://schemas.microsoft.com/office/drawing/2014/main" id="{C49DA8F6-BCC1-4447-B54C-57856834B94B}"/>
-              </a:ext>
-              <a:ext uri="{C183D7F6-B498-43B3-948B-1728B52AA6E4}">
-                <adec:decorative xmlns:adec="http://schemas.microsoft.com/office/drawing/2017/decorative" val="1"/>
-              </a:ext>
-            </a:extLst>
-          </p:cNvPr>
-          <p:cNvCxnSpPr>
-            <a:cxnSpLocks noGrp="1" noRot="1" noChangeAspect="1" noMove="1" noResize="1" noEditPoints="1" noAdjustHandles="1" noChangeArrowheads="1" noChangeShapeType="1"/>
-          </p:cNvCxnSpPr>
-          <p:nvPr>
-            <p:extLst>
-              <p:ext uri="{386F3935-93C4-4BCD-93E2-E3B085C9AB24}">
-                <p16:designElem xmlns:p16="http://schemas.microsoft.com/office/powerpoint/2015/main" val="1"/>
-              </p:ext>
-            </p:extLst>
-          </p:nvPr>
-        </p:nvCxnSpPr>
-        <p:spPr>
-          <a:xfrm>
-            <a:off x="11586162" y="3610394"/>
-            <a:ext cx="0" cy="3238728"/>
-          </a:xfrm>
-          <a:prstGeom prst="line">
-            <a:avLst/>
-          </a:prstGeom>
-          <a:ln w="25400" cap="sq">
-            <a:gradFill flip="none" rotWithShape="1">
-              <a:gsLst>
-                <a:gs pos="0">
-                  <a:schemeClr val="accent1"/>
-                </a:gs>
-                <a:gs pos="100000">
-                  <a:schemeClr val="accent2"/>
-                </a:gs>
-              </a:gsLst>
-              <a:lin ang="5400000" scaled="0"/>
-              <a:tileRect/>
-            </a:gradFill>
-            <a:bevel/>
-          </a:ln>
-        </p:spPr>
-        <p:style>
-          <a:lnRef idx="1">
-            <a:schemeClr val="accent1"/>
-          </a:lnRef>
-          <a:fillRef idx="0">
-            <a:schemeClr val="accent1"/>
-          </a:fillRef>
-          <a:effectRef idx="0">
-            <a:schemeClr val="accent1"/>
-          </a:effectRef>
-          <a:fontRef idx="minor">
-            <a:schemeClr val="tx1"/>
-          </a:fontRef>
-        </p:style>
-      </p:cxnSp>
-    </p:spTree>
-    <p:extLst>
-      <p:ext uri="{BB962C8B-B14F-4D97-AF65-F5344CB8AC3E}">
-        <p14:creationId xmlns:p14="http://schemas.microsoft.com/office/powerpoint/2010/main" val="2533198189"/>
-      </p:ext>
-    </p:extLst>
-  </p:cSld>
-  <p:clrMapOvr>
-    <a:masterClrMapping/>
-  </p:clrMapOvr>
-</p:sld>
-</file>
-
-<file path=ppt/slides/slide16.xml><?xml version="1.0" encoding="utf-8"?>
 <p:sld xmlns:a="http://schemas.openxmlformats.org/drawingml/2006/main" xmlns:r="http://schemas.openxmlformats.org/officeDocument/2006/relationships" xmlns:p="http://schemas.openxmlformats.org/presentationml/2006/main">
   <p:cSld>
     <p:bg>
